--- a/Beginning Zdetl/Lesson PIctures.pptx
+++ b/Beginning Zdetl/Lesson PIctures.pptx
@@ -6,6 +6,7 @@
   </p:sldMasterIdLst>
   <p:sldIdLst>
     <p:sldId id="256" r:id="rId2"/>
+    <p:sldId id="257" r:id="rId3"/>
   </p:sldIdLst>
   <p:sldSz cx="12192000" cy="6858000"/>
   <p:notesSz cx="6858000" cy="9144000"/>
@@ -104,6 +105,11 @@
       </a:defRPr>
     </a:lvl9pPr>
   </p:defaultTextStyle>
+  <p:extLst>
+    <p:ext uri="{EFAFB233-063F-42B5-8137-9DF3F51BA10A}">
+      <p15:sldGuideLst xmlns:p15="http://schemas.microsoft.com/office/powerpoint/2012/main"/>
+    </p:ext>
+  </p:extLst>
 </p:presentation>
 </file>
 
@@ -254,7 +260,7 @@
           <a:p>
             <a:fld id="{B3EEA32B-8902-4695-8C65-CC79125101D6}" type="datetimeFigureOut">
               <a:rPr lang="en-US" smtClean="0"/>
-              <a:t>1/15/2022</a:t>
+              <a:t>1/16/2022</a:t>
             </a:fld>
             <a:endParaRPr lang="en-US"/>
           </a:p>
@@ -452,7 +458,7 @@
           <a:p>
             <a:fld id="{B3EEA32B-8902-4695-8C65-CC79125101D6}" type="datetimeFigureOut">
               <a:rPr lang="en-US" smtClean="0"/>
-              <a:t>1/15/2022</a:t>
+              <a:t>1/16/2022</a:t>
             </a:fld>
             <a:endParaRPr lang="en-US"/>
           </a:p>
@@ -660,7 +666,7 @@
           <a:p>
             <a:fld id="{B3EEA32B-8902-4695-8C65-CC79125101D6}" type="datetimeFigureOut">
               <a:rPr lang="en-US" smtClean="0"/>
-              <a:t>1/15/2022</a:t>
+              <a:t>1/16/2022</a:t>
             </a:fld>
             <a:endParaRPr lang="en-US"/>
           </a:p>
@@ -858,7 +864,7 @@
           <a:p>
             <a:fld id="{B3EEA32B-8902-4695-8C65-CC79125101D6}" type="datetimeFigureOut">
               <a:rPr lang="en-US" smtClean="0"/>
-              <a:t>1/15/2022</a:t>
+              <a:t>1/16/2022</a:t>
             </a:fld>
             <a:endParaRPr lang="en-US"/>
           </a:p>
@@ -1133,7 +1139,7 @@
           <a:p>
             <a:fld id="{B3EEA32B-8902-4695-8C65-CC79125101D6}" type="datetimeFigureOut">
               <a:rPr lang="en-US" smtClean="0"/>
-              <a:t>1/15/2022</a:t>
+              <a:t>1/16/2022</a:t>
             </a:fld>
             <a:endParaRPr lang="en-US"/>
           </a:p>
@@ -1398,7 +1404,7 @@
           <a:p>
             <a:fld id="{B3EEA32B-8902-4695-8C65-CC79125101D6}" type="datetimeFigureOut">
               <a:rPr lang="en-US" smtClean="0"/>
-              <a:t>1/15/2022</a:t>
+              <a:t>1/16/2022</a:t>
             </a:fld>
             <a:endParaRPr lang="en-US"/>
           </a:p>
@@ -1810,7 +1816,7 @@
           <a:p>
             <a:fld id="{B3EEA32B-8902-4695-8C65-CC79125101D6}" type="datetimeFigureOut">
               <a:rPr lang="en-US" smtClean="0"/>
-              <a:t>1/15/2022</a:t>
+              <a:t>1/16/2022</a:t>
             </a:fld>
             <a:endParaRPr lang="en-US"/>
           </a:p>
@@ -1951,7 +1957,7 @@
           <a:p>
             <a:fld id="{B3EEA32B-8902-4695-8C65-CC79125101D6}" type="datetimeFigureOut">
               <a:rPr lang="en-US" smtClean="0"/>
-              <a:t>1/15/2022</a:t>
+              <a:t>1/16/2022</a:t>
             </a:fld>
             <a:endParaRPr lang="en-US"/>
           </a:p>
@@ -2064,7 +2070,7 @@
           <a:p>
             <a:fld id="{B3EEA32B-8902-4695-8C65-CC79125101D6}" type="datetimeFigureOut">
               <a:rPr lang="en-US" smtClean="0"/>
-              <a:t>1/15/2022</a:t>
+              <a:t>1/16/2022</a:t>
             </a:fld>
             <a:endParaRPr lang="en-US"/>
           </a:p>
@@ -2375,7 +2381,7 @@
           <a:p>
             <a:fld id="{B3EEA32B-8902-4695-8C65-CC79125101D6}" type="datetimeFigureOut">
               <a:rPr lang="en-US" smtClean="0"/>
-              <a:t>1/15/2022</a:t>
+              <a:t>1/16/2022</a:t>
             </a:fld>
             <a:endParaRPr lang="en-US"/>
           </a:p>
@@ -2663,7 +2669,7 @@
           <a:p>
             <a:fld id="{B3EEA32B-8902-4695-8C65-CC79125101D6}" type="datetimeFigureOut">
               <a:rPr lang="en-US" smtClean="0"/>
-              <a:t>1/15/2022</a:t>
+              <a:t>1/16/2022</a:t>
             </a:fld>
             <a:endParaRPr lang="en-US"/>
           </a:p>
@@ -2904,7 +2910,7 @@
           <a:p>
             <a:fld id="{B3EEA32B-8902-4695-8C65-CC79125101D6}" type="datetimeFigureOut">
               <a:rPr lang="en-US" smtClean="0"/>
-              <a:t>1/15/2022</a:t>
+              <a:t>1/16/2022</a:t>
             </a:fld>
             <a:endParaRPr lang="en-US"/>
           </a:p>
@@ -3922,6 +3928,759 @@
 </p:sld>
 </file>
 
+<file path=ppt/slides/slide2.xml><?xml version="1.0" encoding="utf-8"?>
+<p:sld xmlns:a="http://schemas.openxmlformats.org/drawingml/2006/main" xmlns:r="http://schemas.openxmlformats.org/officeDocument/2006/relationships" xmlns:p="http://schemas.openxmlformats.org/presentationml/2006/main">
+  <p:cSld>
+    <p:spTree>
+      <p:nvGrpSpPr>
+        <p:cNvPr id="1" name=""/>
+        <p:cNvGrpSpPr/>
+        <p:nvPr/>
+      </p:nvGrpSpPr>
+      <p:grpSpPr>
+        <a:xfrm>
+          <a:off x="0" y="0"/>
+          <a:ext cx="0" cy="0"/>
+          <a:chOff x="0" y="0"/>
+          <a:chExt cx="0" cy="0"/>
+        </a:xfrm>
+      </p:grpSpPr>
+      <p:pic>
+        <p:nvPicPr>
+          <p:cNvPr id="5" name="Picture 4" descr="Diagram, engineering drawing&#10;&#10;Description automatically generated">
+            <a:extLst>
+              <a:ext uri="{FF2B5EF4-FFF2-40B4-BE49-F238E27FC236}">
+                <a16:creationId xmlns:a16="http://schemas.microsoft.com/office/drawing/2014/main" id="{D474A680-2168-4115-8F5E-801F5C444490}"/>
+              </a:ext>
+            </a:extLst>
+          </p:cNvPr>
+          <p:cNvPicPr>
+            <a:picLocks noChangeAspect="1"/>
+          </p:cNvPicPr>
+          <p:nvPr/>
+        </p:nvPicPr>
+        <p:blipFill>
+          <a:blip r:embed="rId2">
+            <a:extLst>
+              <a:ext uri="{28A0092B-C50C-407E-A947-70E740481C1C}">
+                <a14:useLocalDpi xmlns:a14="http://schemas.microsoft.com/office/drawing/2010/main" val="0"/>
+              </a:ext>
+            </a:extLst>
+          </a:blip>
+          <a:stretch>
+            <a:fillRect/>
+          </a:stretch>
+        </p:blipFill>
+        <p:spPr>
+          <a:xfrm>
+            <a:off x="1236427" y="0"/>
+            <a:ext cx="9729884" cy="6858000"/>
+          </a:xfrm>
+          <a:prstGeom prst="rect">
+            <a:avLst/>
+          </a:prstGeom>
+        </p:spPr>
+      </p:pic>
+      <p:sp>
+        <p:nvSpPr>
+          <p:cNvPr id="6" name="TextBox 5">
+            <a:extLst>
+              <a:ext uri="{FF2B5EF4-FFF2-40B4-BE49-F238E27FC236}">
+                <a16:creationId xmlns:a16="http://schemas.microsoft.com/office/drawing/2014/main" id="{93C82B60-9100-4DE8-AFBF-BAB3794A69C9}"/>
+              </a:ext>
+            </a:extLst>
+          </p:cNvPr>
+          <p:cNvSpPr txBox="1"/>
+          <p:nvPr/>
+        </p:nvSpPr>
+        <p:spPr>
+          <a:xfrm>
+            <a:off x="8961714" y="3843653"/>
+            <a:ext cx="1407757" cy="477054"/>
+          </a:xfrm>
+          <a:prstGeom prst="rect">
+            <a:avLst/>
+          </a:prstGeom>
+          <a:noFill/>
+        </p:spPr>
+        <p:txBody>
+          <a:bodyPr wrap="none" rtlCol="0">
+            <a:spAutoFit/>
+          </a:bodyPr>
+          <a:lstStyle/>
+          <a:p>
+            <a:pPr algn="ctr"/>
+            <a:r>
+              <a:rPr lang="en-US" sz="1400" b="1" dirty="0" err="1"/>
+              <a:t>Kialoyan</a:t>
+            </a:r>
+            <a:endParaRPr lang="en-US" sz="1400" b="1" dirty="0"/>
+          </a:p>
+          <a:p>
+            <a:pPr algn="ctr"/>
+            <a:r>
+              <a:rPr lang="en-US" sz="1100" b="1" dirty="0">
+                <a:latin typeface="ZhoGlyph" panose="00000400000000000000" pitchFamily="2" charset="0"/>
+              </a:rPr>
+              <a:t>KĨLOYAN</a:t>
+            </a:r>
+            <a:endParaRPr lang="en-US" sz="1400" b="1" dirty="0"/>
+          </a:p>
+        </p:txBody>
+      </p:sp>
+      <p:sp>
+        <p:nvSpPr>
+          <p:cNvPr id="7" name="TextBox 6">
+            <a:extLst>
+              <a:ext uri="{FF2B5EF4-FFF2-40B4-BE49-F238E27FC236}">
+                <a16:creationId xmlns:a16="http://schemas.microsoft.com/office/drawing/2014/main" id="{D7451876-1A0A-4561-92D1-1B5EF38F9275}"/>
+              </a:ext>
+            </a:extLst>
+          </p:cNvPr>
+          <p:cNvSpPr txBox="1"/>
+          <p:nvPr/>
+        </p:nvSpPr>
+        <p:spPr>
+          <a:xfrm>
+            <a:off x="4350131" y="4127414"/>
+            <a:ext cx="756938" cy="492443"/>
+          </a:xfrm>
+          <a:prstGeom prst="rect">
+            <a:avLst/>
+          </a:prstGeom>
+          <a:noFill/>
+        </p:spPr>
+        <p:txBody>
+          <a:bodyPr wrap="none" rtlCol="0">
+            <a:spAutoFit/>
+          </a:bodyPr>
+          <a:lstStyle/>
+          <a:p>
+            <a:pPr algn="ctr"/>
+            <a:r>
+              <a:rPr lang="en-US" sz="1400" b="1" dirty="0"/>
+              <a:t>Jem</a:t>
+            </a:r>
+            <a:endParaRPr lang="en-US" sz="1600" b="1" dirty="0"/>
+          </a:p>
+          <a:p>
+            <a:pPr algn="ctr"/>
+            <a:r>
+              <a:rPr lang="en-US" sz="1200" b="1" dirty="0">
+                <a:latin typeface="ZhoGlyph" panose="00000400000000000000" pitchFamily="2" charset="0"/>
+              </a:rPr>
+              <a:t>JEM</a:t>
+            </a:r>
+            <a:endParaRPr lang="en-US" sz="1600" b="1" dirty="0">
+              <a:latin typeface="ZhoGlyph" panose="00000400000000000000" pitchFamily="2" charset="0"/>
+            </a:endParaRPr>
+          </a:p>
+        </p:txBody>
+      </p:sp>
+      <p:sp>
+        <p:nvSpPr>
+          <p:cNvPr id="8" name="TextBox 7">
+            <a:extLst>
+              <a:ext uri="{FF2B5EF4-FFF2-40B4-BE49-F238E27FC236}">
+                <a16:creationId xmlns:a16="http://schemas.microsoft.com/office/drawing/2014/main" id="{894D7668-C14A-4051-9A02-EC180D3A961C}"/>
+              </a:ext>
+            </a:extLst>
+          </p:cNvPr>
+          <p:cNvSpPr txBox="1"/>
+          <p:nvPr/>
+        </p:nvSpPr>
+        <p:spPr>
+          <a:xfrm>
+            <a:off x="5371986" y="4180799"/>
+            <a:ext cx="947695" cy="492443"/>
+          </a:xfrm>
+          <a:prstGeom prst="rect">
+            <a:avLst/>
+          </a:prstGeom>
+          <a:noFill/>
+        </p:spPr>
+        <p:txBody>
+          <a:bodyPr wrap="none" rtlCol="0">
+            <a:spAutoFit/>
+          </a:bodyPr>
+          <a:lstStyle/>
+          <a:p>
+            <a:pPr algn="ctr"/>
+            <a:r>
+              <a:rPr lang="en-US" sz="1400" b="1" dirty="0" err="1"/>
+              <a:t>Tchipl</a:t>
+            </a:r>
+            <a:endParaRPr lang="en-US" sz="1600" b="1" dirty="0"/>
+          </a:p>
+          <a:p>
+            <a:pPr algn="ctr"/>
+            <a:r>
+              <a:rPr lang="en-US" sz="1200" b="1" dirty="0">
+                <a:latin typeface="ZhoGlyph" panose="00000400000000000000" pitchFamily="2" charset="0"/>
+              </a:rPr>
+              <a:t>TĈIṖ</a:t>
+            </a:r>
+            <a:endParaRPr lang="en-US" sz="1600" b="1" dirty="0">
+              <a:latin typeface="ZhoGlyph" panose="00000400000000000000" pitchFamily="2" charset="0"/>
+            </a:endParaRPr>
+          </a:p>
+        </p:txBody>
+      </p:sp>
+      <p:sp>
+        <p:nvSpPr>
+          <p:cNvPr id="9" name="TextBox 8">
+            <a:extLst>
+              <a:ext uri="{FF2B5EF4-FFF2-40B4-BE49-F238E27FC236}">
+                <a16:creationId xmlns:a16="http://schemas.microsoft.com/office/drawing/2014/main" id="{18E78123-10C9-48FC-9704-E7762960D35C}"/>
+              </a:ext>
+            </a:extLst>
+          </p:cNvPr>
+          <p:cNvSpPr txBox="1"/>
+          <p:nvPr/>
+        </p:nvSpPr>
+        <p:spPr>
+          <a:xfrm>
+            <a:off x="8587301" y="6124755"/>
+            <a:ext cx="1233030" cy="477054"/>
+          </a:xfrm>
+          <a:prstGeom prst="rect">
+            <a:avLst/>
+          </a:prstGeom>
+          <a:noFill/>
+        </p:spPr>
+        <p:txBody>
+          <a:bodyPr wrap="none" rtlCol="0">
+            <a:spAutoFit/>
+          </a:bodyPr>
+          <a:lstStyle/>
+          <a:p>
+            <a:pPr algn="ctr"/>
+            <a:r>
+              <a:rPr lang="en-US" sz="1400" b="1" dirty="0" err="1"/>
+              <a:t>Zhavrjem</a:t>
+            </a:r>
+            <a:endParaRPr lang="en-US" sz="1400" b="1" dirty="0"/>
+          </a:p>
+          <a:p>
+            <a:pPr algn="ctr"/>
+            <a:r>
+              <a:rPr lang="en-US" sz="1100" b="1" dirty="0">
+                <a:latin typeface="ZhoGlyph" panose="00000400000000000000" pitchFamily="2" charset="0"/>
+              </a:rPr>
+              <a:t>ŹAṼJEM</a:t>
+            </a:r>
+            <a:endParaRPr lang="en-US" sz="1400" b="1" dirty="0">
+              <a:latin typeface="ZhoGlyph" panose="00000400000000000000" pitchFamily="2" charset="0"/>
+            </a:endParaRPr>
+          </a:p>
+        </p:txBody>
+      </p:sp>
+      <p:cxnSp>
+        <p:nvCxnSpPr>
+          <p:cNvPr id="11" name="Straight Arrow Connector 10">
+            <a:extLst>
+              <a:ext uri="{FF2B5EF4-FFF2-40B4-BE49-F238E27FC236}">
+                <a16:creationId xmlns:a16="http://schemas.microsoft.com/office/drawing/2014/main" id="{148605ED-4D12-42F3-AE0F-DEC40BB32EF6}"/>
+              </a:ext>
+            </a:extLst>
+          </p:cNvPr>
+          <p:cNvCxnSpPr/>
+          <p:nvPr/>
+        </p:nvCxnSpPr>
+        <p:spPr>
+          <a:xfrm flipH="1" flipV="1">
+            <a:off x="7573992" y="6124755"/>
+            <a:ext cx="1112808" cy="189781"/>
+          </a:xfrm>
+          <a:prstGeom prst="straightConnector1">
+            <a:avLst/>
+          </a:prstGeom>
+          <a:ln>
+            <a:tailEnd type="triangle"/>
+          </a:ln>
+        </p:spPr>
+        <p:style>
+          <a:lnRef idx="3">
+            <a:schemeClr val="dk1"/>
+          </a:lnRef>
+          <a:fillRef idx="0">
+            <a:schemeClr val="dk1"/>
+          </a:fillRef>
+          <a:effectRef idx="2">
+            <a:schemeClr val="dk1"/>
+          </a:effectRef>
+          <a:fontRef idx="minor">
+            <a:schemeClr val="tx1"/>
+          </a:fontRef>
+        </p:style>
+      </p:cxnSp>
+      <p:sp>
+        <p:nvSpPr>
+          <p:cNvPr id="12" name="TextBox 11">
+            <a:extLst>
+              <a:ext uri="{FF2B5EF4-FFF2-40B4-BE49-F238E27FC236}">
+                <a16:creationId xmlns:a16="http://schemas.microsoft.com/office/drawing/2014/main" id="{98EE26B9-C2E8-4D73-B00C-AB12E32DCBF1}"/>
+              </a:ext>
+            </a:extLst>
+          </p:cNvPr>
+          <p:cNvSpPr txBox="1"/>
+          <p:nvPr/>
+        </p:nvSpPr>
+        <p:spPr>
+          <a:xfrm>
+            <a:off x="8519923" y="2607910"/>
+            <a:ext cx="1582484" cy="477054"/>
+          </a:xfrm>
+          <a:prstGeom prst="rect">
+            <a:avLst/>
+          </a:prstGeom>
+          <a:noFill/>
+        </p:spPr>
+        <p:txBody>
+          <a:bodyPr wrap="none" rtlCol="0">
+            <a:spAutoFit/>
+          </a:bodyPr>
+          <a:lstStyle/>
+          <a:p>
+            <a:r>
+              <a:rPr lang="en-US" sz="1400" b="1" dirty="0" err="1"/>
+              <a:t>Itztikio</a:t>
+            </a:r>
+            <a:endParaRPr lang="en-US" sz="1400" b="1" dirty="0"/>
+          </a:p>
+          <a:p>
+            <a:r>
+              <a:rPr lang="en-US" sz="1100" b="1" dirty="0">
+                <a:latin typeface="ZhoGlyph" panose="00000400000000000000" pitchFamily="2" charset="0"/>
+              </a:rPr>
+              <a:t>ITZTIKIO</a:t>
+            </a:r>
+            <a:endParaRPr lang="en-US" sz="1400" b="1" dirty="0">
+              <a:latin typeface="ZhoGlyph" panose="00000400000000000000" pitchFamily="2" charset="0"/>
+            </a:endParaRPr>
+          </a:p>
+        </p:txBody>
+      </p:sp>
+      <p:sp>
+        <p:nvSpPr>
+          <p:cNvPr id="13" name="TextBox 12">
+            <a:extLst>
+              <a:ext uri="{FF2B5EF4-FFF2-40B4-BE49-F238E27FC236}">
+                <a16:creationId xmlns:a16="http://schemas.microsoft.com/office/drawing/2014/main" id="{55F576D0-B4F0-421B-B92B-A897E68AE76B}"/>
+              </a:ext>
+            </a:extLst>
+          </p:cNvPr>
+          <p:cNvSpPr txBox="1"/>
+          <p:nvPr/>
+        </p:nvSpPr>
+        <p:spPr>
+          <a:xfrm>
+            <a:off x="2010425" y="2523466"/>
+            <a:ext cx="1058303" cy="477054"/>
+          </a:xfrm>
+          <a:prstGeom prst="rect">
+            <a:avLst/>
+          </a:prstGeom>
+          <a:noFill/>
+        </p:spPr>
+        <p:txBody>
+          <a:bodyPr wrap="none" rtlCol="0">
+            <a:spAutoFit/>
+          </a:bodyPr>
+          <a:lstStyle/>
+          <a:p>
+            <a:pPr algn="ctr"/>
+            <a:r>
+              <a:rPr lang="en-US" sz="1400" b="1" dirty="0" err="1"/>
+              <a:t>Tepek</a:t>
+            </a:r>
+            <a:endParaRPr lang="en-US" sz="1400" b="1" dirty="0"/>
+          </a:p>
+          <a:p>
+            <a:pPr algn="ctr"/>
+            <a:r>
+              <a:rPr lang="en-US" sz="1100" b="1" dirty="0">
+                <a:latin typeface="ZhoGlyph" panose="00000400000000000000" pitchFamily="2" charset="0"/>
+              </a:rPr>
+              <a:t>TEPEK</a:t>
+            </a:r>
+            <a:endParaRPr lang="en-US" sz="1400" b="1" dirty="0">
+              <a:latin typeface="ZhoGlyph" panose="00000400000000000000" pitchFamily="2" charset="0"/>
+            </a:endParaRPr>
+          </a:p>
+        </p:txBody>
+      </p:sp>
+      <p:sp>
+        <p:nvSpPr>
+          <p:cNvPr id="14" name="TextBox 13">
+            <a:extLst>
+              <a:ext uri="{FF2B5EF4-FFF2-40B4-BE49-F238E27FC236}">
+                <a16:creationId xmlns:a16="http://schemas.microsoft.com/office/drawing/2014/main" id="{8C2EE38A-0E63-43CB-BCC0-C390B778396E}"/>
+              </a:ext>
+            </a:extLst>
+          </p:cNvPr>
+          <p:cNvSpPr txBox="1"/>
+          <p:nvPr/>
+        </p:nvSpPr>
+        <p:spPr>
+          <a:xfrm>
+            <a:off x="2052892" y="3942272"/>
+            <a:ext cx="1407757" cy="477054"/>
+          </a:xfrm>
+          <a:prstGeom prst="rect">
+            <a:avLst/>
+          </a:prstGeom>
+          <a:noFill/>
+        </p:spPr>
+        <p:txBody>
+          <a:bodyPr wrap="none" rtlCol="0">
+            <a:spAutoFit/>
+          </a:bodyPr>
+          <a:lstStyle/>
+          <a:p>
+            <a:pPr algn="ctr"/>
+            <a:r>
+              <a:rPr lang="en-US" sz="1400" b="1" dirty="0" err="1"/>
+              <a:t>Ichtiozhie</a:t>
+            </a:r>
+            <a:endParaRPr lang="en-US" sz="1400" b="1" dirty="0"/>
+          </a:p>
+          <a:p>
+            <a:pPr algn="ctr"/>
+            <a:r>
+              <a:rPr lang="en-US" sz="1100" b="1" dirty="0">
+                <a:latin typeface="ZhoGlyph" panose="00000400000000000000" pitchFamily="2" charset="0"/>
+              </a:rPr>
+              <a:t>IĈTIOŹĪ</a:t>
+            </a:r>
+            <a:endParaRPr lang="en-US" sz="1400" b="1" dirty="0">
+              <a:latin typeface="ZhoGlyph" panose="00000400000000000000" pitchFamily="2" charset="0"/>
+            </a:endParaRPr>
+          </a:p>
+        </p:txBody>
+      </p:sp>
+      <p:cxnSp>
+        <p:nvCxnSpPr>
+          <p:cNvPr id="16" name="Straight Arrow Connector 15">
+            <a:extLst>
+              <a:ext uri="{FF2B5EF4-FFF2-40B4-BE49-F238E27FC236}">
+                <a16:creationId xmlns:a16="http://schemas.microsoft.com/office/drawing/2014/main" id="{C41C60B5-5329-4DEE-ACBF-70B9DF576E32}"/>
+              </a:ext>
+            </a:extLst>
+          </p:cNvPr>
+          <p:cNvCxnSpPr/>
+          <p:nvPr/>
+        </p:nvCxnSpPr>
+        <p:spPr>
+          <a:xfrm flipV="1">
+            <a:off x="3289922" y="3329796"/>
+            <a:ext cx="685810" cy="806244"/>
+          </a:xfrm>
+          <a:prstGeom prst="straightConnector1">
+            <a:avLst/>
+          </a:prstGeom>
+          <a:ln>
+            <a:tailEnd type="triangle"/>
+          </a:ln>
+        </p:spPr>
+        <p:style>
+          <a:lnRef idx="3">
+            <a:schemeClr val="dk1"/>
+          </a:lnRef>
+          <a:fillRef idx="0">
+            <a:schemeClr val="dk1"/>
+          </a:fillRef>
+          <a:effectRef idx="2">
+            <a:schemeClr val="dk1"/>
+          </a:effectRef>
+          <a:fontRef idx="minor">
+            <a:schemeClr val="tx1"/>
+          </a:fontRef>
+        </p:style>
+      </p:cxnSp>
+      <p:sp>
+        <p:nvSpPr>
+          <p:cNvPr id="17" name="TextBox 16">
+            <a:extLst>
+              <a:ext uri="{FF2B5EF4-FFF2-40B4-BE49-F238E27FC236}">
+                <a16:creationId xmlns:a16="http://schemas.microsoft.com/office/drawing/2014/main" id="{6808AD4A-31C1-4878-BAFD-94D1EF6F55B9}"/>
+              </a:ext>
+            </a:extLst>
+          </p:cNvPr>
+          <p:cNvSpPr txBox="1"/>
+          <p:nvPr/>
+        </p:nvSpPr>
+        <p:spPr>
+          <a:xfrm>
+            <a:off x="2311077" y="4973800"/>
+            <a:ext cx="1407757" cy="477054"/>
+          </a:xfrm>
+          <a:prstGeom prst="rect">
+            <a:avLst/>
+          </a:prstGeom>
+          <a:noFill/>
+        </p:spPr>
+        <p:txBody>
+          <a:bodyPr wrap="none" rtlCol="0">
+            <a:spAutoFit/>
+          </a:bodyPr>
+          <a:lstStyle/>
+          <a:p>
+            <a:pPr algn="ctr"/>
+            <a:r>
+              <a:rPr lang="en-US" sz="1400" dirty="0" err="1"/>
+              <a:t>Chalanzhie</a:t>
+            </a:r>
+            <a:endParaRPr lang="en-US" sz="1400" dirty="0"/>
+          </a:p>
+          <a:p>
+            <a:pPr algn="ctr"/>
+            <a:r>
+              <a:rPr lang="en-US" sz="1100" b="1" dirty="0">
+                <a:latin typeface="ZhoGlyph" panose="00000400000000000000" pitchFamily="2" charset="0"/>
+              </a:rPr>
+              <a:t>ĈALANŹĪ</a:t>
+            </a:r>
+            <a:endParaRPr lang="en-US" sz="1400" b="1" dirty="0">
+              <a:latin typeface="ZhoGlyph" panose="00000400000000000000" pitchFamily="2" charset="0"/>
+            </a:endParaRPr>
+          </a:p>
+        </p:txBody>
+      </p:sp>
+      <p:cxnSp>
+        <p:nvCxnSpPr>
+          <p:cNvPr id="19" name="Straight Arrow Connector 18">
+            <a:extLst>
+              <a:ext uri="{FF2B5EF4-FFF2-40B4-BE49-F238E27FC236}">
+                <a16:creationId xmlns:a16="http://schemas.microsoft.com/office/drawing/2014/main" id="{2C9A68B8-0938-401E-BF6B-C30029985694}"/>
+              </a:ext>
+            </a:extLst>
+          </p:cNvPr>
+          <p:cNvCxnSpPr/>
+          <p:nvPr/>
+        </p:nvCxnSpPr>
+        <p:spPr>
+          <a:xfrm flipV="1">
+            <a:off x="3628965" y="4865298"/>
+            <a:ext cx="1503752" cy="212670"/>
+          </a:xfrm>
+          <a:prstGeom prst="straightConnector1">
+            <a:avLst/>
+          </a:prstGeom>
+          <a:ln>
+            <a:tailEnd type="triangle"/>
+          </a:ln>
+        </p:spPr>
+        <p:style>
+          <a:lnRef idx="3">
+            <a:schemeClr val="dk1"/>
+          </a:lnRef>
+          <a:fillRef idx="0">
+            <a:schemeClr val="dk1"/>
+          </a:fillRef>
+          <a:effectRef idx="2">
+            <a:schemeClr val="dk1"/>
+          </a:effectRef>
+          <a:fontRef idx="minor">
+            <a:schemeClr val="tx1"/>
+          </a:fontRef>
+        </p:style>
+      </p:cxnSp>
+      <p:sp>
+        <p:nvSpPr>
+          <p:cNvPr id="20" name="TextBox 19">
+            <a:extLst>
+              <a:ext uri="{FF2B5EF4-FFF2-40B4-BE49-F238E27FC236}">
+                <a16:creationId xmlns:a16="http://schemas.microsoft.com/office/drawing/2014/main" id="{C3F5F423-D734-452C-9CAC-564D76B70AF0}"/>
+              </a:ext>
+            </a:extLst>
+          </p:cNvPr>
+          <p:cNvSpPr txBox="1"/>
+          <p:nvPr/>
+        </p:nvSpPr>
+        <p:spPr>
+          <a:xfrm>
+            <a:off x="1463734" y="1123408"/>
+            <a:ext cx="1914306" cy="477054"/>
+          </a:xfrm>
+          <a:prstGeom prst="rect">
+            <a:avLst/>
+          </a:prstGeom>
+          <a:noFill/>
+        </p:spPr>
+        <p:txBody>
+          <a:bodyPr wrap="none" rtlCol="0">
+            <a:spAutoFit/>
+          </a:bodyPr>
+          <a:lstStyle/>
+          <a:p>
+            <a:pPr algn="ctr"/>
+            <a:r>
+              <a:rPr lang="en-US" sz="1400" dirty="0" err="1"/>
+              <a:t>Zhdobrdievlitzi</a:t>
+            </a:r>
+            <a:endParaRPr lang="en-US" sz="1400" dirty="0"/>
+          </a:p>
+          <a:p>
+            <a:pPr algn="ctr"/>
+            <a:r>
+              <a:rPr lang="en-US" sz="1100" b="1" dirty="0">
+                <a:latin typeface="ZhoGlyph" panose="00000400000000000000" pitchFamily="2" charset="0"/>
+              </a:rPr>
+              <a:t>ŽOḄDĪṾITZI</a:t>
+            </a:r>
+            <a:endParaRPr lang="en-US" sz="1400" b="1" dirty="0"/>
+          </a:p>
+        </p:txBody>
+      </p:sp>
+      <p:sp>
+        <p:nvSpPr>
+          <p:cNvPr id="21" name="TextBox 20">
+            <a:extLst>
+              <a:ext uri="{FF2B5EF4-FFF2-40B4-BE49-F238E27FC236}">
+                <a16:creationId xmlns:a16="http://schemas.microsoft.com/office/drawing/2014/main" id="{0490C057-7F23-49E8-B651-00EB2BC12662}"/>
+              </a:ext>
+            </a:extLst>
+          </p:cNvPr>
+          <p:cNvSpPr txBox="1"/>
+          <p:nvPr/>
+        </p:nvSpPr>
+        <p:spPr>
+          <a:xfrm>
+            <a:off x="5688688" y="3320433"/>
+            <a:ext cx="1582484" cy="477054"/>
+          </a:xfrm>
+          <a:prstGeom prst="rect">
+            <a:avLst/>
+          </a:prstGeom>
+          <a:noFill/>
+        </p:spPr>
+        <p:txBody>
+          <a:bodyPr wrap="none" rtlCol="0">
+            <a:spAutoFit/>
+          </a:bodyPr>
+          <a:lstStyle/>
+          <a:p>
+            <a:pPr algn="ctr"/>
+            <a:r>
+              <a:rPr lang="en-US" sz="1400" b="1" dirty="0" err="1"/>
+              <a:t>Preqlkoyan</a:t>
+            </a:r>
+            <a:endParaRPr lang="en-US" sz="1400" b="1" dirty="0"/>
+          </a:p>
+          <a:p>
+            <a:pPr algn="ctr"/>
+            <a:r>
+              <a:rPr lang="en-US" sz="1100" b="1" dirty="0">
+                <a:latin typeface="ZhoGlyph" panose="00000400000000000000" pitchFamily="2" charset="0"/>
+              </a:rPr>
+              <a:t>ṔEỜKOYAN</a:t>
+            </a:r>
+            <a:endParaRPr lang="en-US" sz="1400" b="1" dirty="0">
+              <a:latin typeface="ZhoGlyph" panose="00000400000000000000" pitchFamily="2" charset="0"/>
+            </a:endParaRPr>
+          </a:p>
+        </p:txBody>
+      </p:sp>
+      <p:cxnSp>
+        <p:nvCxnSpPr>
+          <p:cNvPr id="23" name="Straight Arrow Connector 22">
+            <a:extLst>
+              <a:ext uri="{FF2B5EF4-FFF2-40B4-BE49-F238E27FC236}">
+                <a16:creationId xmlns:a16="http://schemas.microsoft.com/office/drawing/2014/main" id="{32993C2A-5395-4C72-916D-B13292377191}"/>
+              </a:ext>
+            </a:extLst>
+          </p:cNvPr>
+          <p:cNvCxnSpPr/>
+          <p:nvPr/>
+        </p:nvCxnSpPr>
+        <p:spPr>
+          <a:xfrm flipH="1" flipV="1">
+            <a:off x="4986068" y="2523466"/>
+            <a:ext cx="981582" cy="905534"/>
+          </a:xfrm>
+          <a:prstGeom prst="straightConnector1">
+            <a:avLst/>
+          </a:prstGeom>
+          <a:ln>
+            <a:tailEnd type="triangle"/>
+          </a:ln>
+        </p:spPr>
+        <p:style>
+          <a:lnRef idx="3">
+            <a:schemeClr val="dk1"/>
+          </a:lnRef>
+          <a:fillRef idx="0">
+            <a:schemeClr val="dk1"/>
+          </a:fillRef>
+          <a:effectRef idx="2">
+            <a:schemeClr val="dk1"/>
+          </a:effectRef>
+          <a:fontRef idx="minor">
+            <a:schemeClr val="tx1"/>
+          </a:fontRef>
+        </p:style>
+      </p:cxnSp>
+      <p:sp>
+        <p:nvSpPr>
+          <p:cNvPr id="24" name="TextBox 23">
+            <a:extLst>
+              <a:ext uri="{FF2B5EF4-FFF2-40B4-BE49-F238E27FC236}">
+                <a16:creationId xmlns:a16="http://schemas.microsoft.com/office/drawing/2014/main" id="{AD034F9A-17D9-4EDD-AC9F-BFF978EB3EDF}"/>
+              </a:ext>
+            </a:extLst>
+          </p:cNvPr>
+          <p:cNvSpPr txBox="1"/>
+          <p:nvPr/>
+        </p:nvSpPr>
+        <p:spPr>
+          <a:xfrm>
+            <a:off x="8242482" y="673839"/>
+            <a:ext cx="2630848" cy="477054"/>
+          </a:xfrm>
+          <a:prstGeom prst="rect">
+            <a:avLst/>
+          </a:prstGeom>
+          <a:noFill/>
+        </p:spPr>
+        <p:txBody>
+          <a:bodyPr wrap="none" rtlCol="0">
+            <a:spAutoFit/>
+          </a:bodyPr>
+          <a:lstStyle/>
+          <a:p>
+            <a:pPr algn="ctr"/>
+            <a:r>
+              <a:rPr lang="en-US" sz="1400" b="1" dirty="0" err="1"/>
+              <a:t>Tlayotekoyandievl</a:t>
+            </a:r>
+            <a:endParaRPr lang="en-US" sz="1400" b="1" dirty="0"/>
+          </a:p>
+          <a:p>
+            <a:pPr algn="ctr"/>
+            <a:r>
+              <a:rPr lang="en-US" sz="1100" b="1" dirty="0">
+                <a:latin typeface="ZhoGlyph" panose="00000400000000000000" pitchFamily="2" charset="0"/>
+              </a:rPr>
+              <a:t>ṪAYOTEKOYENDĪṾ</a:t>
+            </a:r>
+            <a:endParaRPr lang="en-US" sz="1400" b="1" dirty="0"/>
+          </a:p>
+        </p:txBody>
+      </p:sp>
+    </p:spTree>
+    <p:extLst>
+      <p:ext uri="{BB962C8B-B14F-4D97-AF65-F5344CB8AC3E}">
+        <p14:creationId xmlns:p14="http://schemas.microsoft.com/office/powerpoint/2010/main" val="2826473794"/>
+      </p:ext>
+    </p:extLst>
+  </p:cSld>
+  <p:clrMapOvr>
+    <a:masterClrMapping/>
+  </p:clrMapOvr>
+</p:sld>
+</file>
+
 <file path=ppt/theme/theme1.xml><?xml version="1.0" encoding="utf-8"?>
 <a:theme xmlns:a="http://schemas.openxmlformats.org/drawingml/2006/main" name="Office Theme">
   <a:themeElements>

--- a/Beginning Zdetl/Lesson PIctures.pptx
+++ b/Beginning Zdetl/Lesson PIctures.pptx
@@ -260,7 +260,7 @@
           <a:p>
             <a:fld id="{B3EEA32B-8902-4695-8C65-CC79125101D6}" type="datetimeFigureOut">
               <a:rPr lang="en-US" smtClean="0"/>
-              <a:t>1/16/2022</a:t>
+              <a:t>1/26/2022</a:t>
             </a:fld>
             <a:endParaRPr lang="en-US"/>
           </a:p>
@@ -458,7 +458,7 @@
           <a:p>
             <a:fld id="{B3EEA32B-8902-4695-8C65-CC79125101D6}" type="datetimeFigureOut">
               <a:rPr lang="en-US" smtClean="0"/>
-              <a:t>1/16/2022</a:t>
+              <a:t>1/26/2022</a:t>
             </a:fld>
             <a:endParaRPr lang="en-US"/>
           </a:p>
@@ -666,7 +666,7 @@
           <a:p>
             <a:fld id="{B3EEA32B-8902-4695-8C65-CC79125101D6}" type="datetimeFigureOut">
               <a:rPr lang="en-US" smtClean="0"/>
-              <a:t>1/16/2022</a:t>
+              <a:t>1/26/2022</a:t>
             </a:fld>
             <a:endParaRPr lang="en-US"/>
           </a:p>
@@ -864,7 +864,7 @@
           <a:p>
             <a:fld id="{B3EEA32B-8902-4695-8C65-CC79125101D6}" type="datetimeFigureOut">
               <a:rPr lang="en-US" smtClean="0"/>
-              <a:t>1/16/2022</a:t>
+              <a:t>1/26/2022</a:t>
             </a:fld>
             <a:endParaRPr lang="en-US"/>
           </a:p>
@@ -1139,7 +1139,7 @@
           <a:p>
             <a:fld id="{B3EEA32B-8902-4695-8C65-CC79125101D6}" type="datetimeFigureOut">
               <a:rPr lang="en-US" smtClean="0"/>
-              <a:t>1/16/2022</a:t>
+              <a:t>1/26/2022</a:t>
             </a:fld>
             <a:endParaRPr lang="en-US"/>
           </a:p>
@@ -1404,7 +1404,7 @@
           <a:p>
             <a:fld id="{B3EEA32B-8902-4695-8C65-CC79125101D6}" type="datetimeFigureOut">
               <a:rPr lang="en-US" smtClean="0"/>
-              <a:t>1/16/2022</a:t>
+              <a:t>1/26/2022</a:t>
             </a:fld>
             <a:endParaRPr lang="en-US"/>
           </a:p>
@@ -1816,7 +1816,7 @@
           <a:p>
             <a:fld id="{B3EEA32B-8902-4695-8C65-CC79125101D6}" type="datetimeFigureOut">
               <a:rPr lang="en-US" smtClean="0"/>
-              <a:t>1/16/2022</a:t>
+              <a:t>1/26/2022</a:t>
             </a:fld>
             <a:endParaRPr lang="en-US"/>
           </a:p>
@@ -1957,7 +1957,7 @@
           <a:p>
             <a:fld id="{B3EEA32B-8902-4695-8C65-CC79125101D6}" type="datetimeFigureOut">
               <a:rPr lang="en-US" smtClean="0"/>
-              <a:t>1/16/2022</a:t>
+              <a:t>1/26/2022</a:t>
             </a:fld>
             <a:endParaRPr lang="en-US"/>
           </a:p>
@@ -2070,7 +2070,7 @@
           <a:p>
             <a:fld id="{B3EEA32B-8902-4695-8C65-CC79125101D6}" type="datetimeFigureOut">
               <a:rPr lang="en-US" smtClean="0"/>
-              <a:t>1/16/2022</a:t>
+              <a:t>1/26/2022</a:t>
             </a:fld>
             <a:endParaRPr lang="en-US"/>
           </a:p>
@@ -2381,7 +2381,7 @@
           <a:p>
             <a:fld id="{B3EEA32B-8902-4695-8C65-CC79125101D6}" type="datetimeFigureOut">
               <a:rPr lang="en-US" smtClean="0"/>
-              <a:t>1/16/2022</a:t>
+              <a:t>1/26/2022</a:t>
             </a:fld>
             <a:endParaRPr lang="en-US"/>
           </a:p>
@@ -2669,7 +2669,7 @@
           <a:p>
             <a:fld id="{B3EEA32B-8902-4695-8C65-CC79125101D6}" type="datetimeFigureOut">
               <a:rPr lang="en-US" smtClean="0"/>
-              <a:t>1/16/2022</a:t>
+              <a:t>1/26/2022</a:t>
             </a:fld>
             <a:endParaRPr lang="en-US"/>
           </a:p>
@@ -2910,7 +2910,7 @@
           <a:p>
             <a:fld id="{B3EEA32B-8902-4695-8C65-CC79125101D6}" type="datetimeFigureOut">
               <a:rPr lang="en-US" smtClean="0"/>
-              <a:t>1/16/2022</a:t>
+              <a:t>1/26/2022</a:t>
             </a:fld>
             <a:endParaRPr lang="en-US"/>
           </a:p>
@@ -4456,13 +4456,15 @@
               </a:ext>
             </a:extLst>
           </p:cNvPr>
-          <p:cNvCxnSpPr/>
+          <p:cNvCxnSpPr>
+            <a:cxnSpLocks/>
+          </p:cNvCxnSpPr>
           <p:nvPr/>
         </p:nvCxnSpPr>
         <p:spPr>
-          <a:xfrm flipV="1">
-            <a:off x="3628965" y="4865298"/>
-            <a:ext cx="1503752" cy="212670"/>
+          <a:xfrm>
+            <a:off x="3628965" y="5077968"/>
+            <a:ext cx="1166970" cy="372886"/>
           </a:xfrm>
           <a:prstGeom prst="straightConnector1">
             <a:avLst/>

--- a/Beginning Zdetl/Lesson PIctures.pptx
+++ b/Beginning Zdetl/Lesson PIctures.pptx
@@ -7,6 +7,7 @@
   <p:sldIdLst>
     <p:sldId id="256" r:id="rId2"/>
     <p:sldId id="257" r:id="rId3"/>
+    <p:sldId id="258" r:id="rId4"/>
   </p:sldIdLst>
   <p:sldSz cx="12192000" cy="6858000"/>
   <p:notesSz cx="6858000" cy="9144000"/>
@@ -260,7 +261,7 @@
           <a:p>
             <a:fld id="{B3EEA32B-8902-4695-8C65-CC79125101D6}" type="datetimeFigureOut">
               <a:rPr lang="en-US" smtClean="0"/>
-              <a:t>1/26/2022</a:t>
+              <a:t>2/12/2022</a:t>
             </a:fld>
             <a:endParaRPr lang="en-US"/>
           </a:p>
@@ -458,7 +459,7 @@
           <a:p>
             <a:fld id="{B3EEA32B-8902-4695-8C65-CC79125101D6}" type="datetimeFigureOut">
               <a:rPr lang="en-US" smtClean="0"/>
-              <a:t>1/26/2022</a:t>
+              <a:t>2/12/2022</a:t>
             </a:fld>
             <a:endParaRPr lang="en-US"/>
           </a:p>
@@ -666,7 +667,7 @@
           <a:p>
             <a:fld id="{B3EEA32B-8902-4695-8C65-CC79125101D6}" type="datetimeFigureOut">
               <a:rPr lang="en-US" smtClean="0"/>
-              <a:t>1/26/2022</a:t>
+              <a:t>2/12/2022</a:t>
             </a:fld>
             <a:endParaRPr lang="en-US"/>
           </a:p>
@@ -864,7 +865,7 @@
           <a:p>
             <a:fld id="{B3EEA32B-8902-4695-8C65-CC79125101D6}" type="datetimeFigureOut">
               <a:rPr lang="en-US" smtClean="0"/>
-              <a:t>1/26/2022</a:t>
+              <a:t>2/12/2022</a:t>
             </a:fld>
             <a:endParaRPr lang="en-US"/>
           </a:p>
@@ -1139,7 +1140,7 @@
           <a:p>
             <a:fld id="{B3EEA32B-8902-4695-8C65-CC79125101D6}" type="datetimeFigureOut">
               <a:rPr lang="en-US" smtClean="0"/>
-              <a:t>1/26/2022</a:t>
+              <a:t>2/12/2022</a:t>
             </a:fld>
             <a:endParaRPr lang="en-US"/>
           </a:p>
@@ -1404,7 +1405,7 @@
           <a:p>
             <a:fld id="{B3EEA32B-8902-4695-8C65-CC79125101D6}" type="datetimeFigureOut">
               <a:rPr lang="en-US" smtClean="0"/>
-              <a:t>1/26/2022</a:t>
+              <a:t>2/12/2022</a:t>
             </a:fld>
             <a:endParaRPr lang="en-US"/>
           </a:p>
@@ -1816,7 +1817,7 @@
           <a:p>
             <a:fld id="{B3EEA32B-8902-4695-8C65-CC79125101D6}" type="datetimeFigureOut">
               <a:rPr lang="en-US" smtClean="0"/>
-              <a:t>1/26/2022</a:t>
+              <a:t>2/12/2022</a:t>
             </a:fld>
             <a:endParaRPr lang="en-US"/>
           </a:p>
@@ -1957,7 +1958,7 @@
           <a:p>
             <a:fld id="{B3EEA32B-8902-4695-8C65-CC79125101D6}" type="datetimeFigureOut">
               <a:rPr lang="en-US" smtClean="0"/>
-              <a:t>1/26/2022</a:t>
+              <a:t>2/12/2022</a:t>
             </a:fld>
             <a:endParaRPr lang="en-US"/>
           </a:p>
@@ -2070,7 +2071,7 @@
           <a:p>
             <a:fld id="{B3EEA32B-8902-4695-8C65-CC79125101D6}" type="datetimeFigureOut">
               <a:rPr lang="en-US" smtClean="0"/>
-              <a:t>1/26/2022</a:t>
+              <a:t>2/12/2022</a:t>
             </a:fld>
             <a:endParaRPr lang="en-US"/>
           </a:p>
@@ -2381,7 +2382,7 @@
           <a:p>
             <a:fld id="{B3EEA32B-8902-4695-8C65-CC79125101D6}" type="datetimeFigureOut">
               <a:rPr lang="en-US" smtClean="0"/>
-              <a:t>1/26/2022</a:t>
+              <a:t>2/12/2022</a:t>
             </a:fld>
             <a:endParaRPr lang="en-US"/>
           </a:p>
@@ -2669,7 +2670,7 @@
           <a:p>
             <a:fld id="{B3EEA32B-8902-4695-8C65-CC79125101D6}" type="datetimeFigureOut">
               <a:rPr lang="en-US" smtClean="0"/>
-              <a:t>1/26/2022</a:t>
+              <a:t>2/12/2022</a:t>
             </a:fld>
             <a:endParaRPr lang="en-US"/>
           </a:p>
@@ -2910,7 +2911,7 @@
           <a:p>
             <a:fld id="{B3EEA32B-8902-4695-8C65-CC79125101D6}" type="datetimeFigureOut">
               <a:rPr lang="en-US" smtClean="0"/>
-              <a:t>1/26/2022</a:t>
+              <a:t>2/12/2022</a:t>
             </a:fld>
             <a:endParaRPr lang="en-US"/>
           </a:p>
@@ -4683,6 +4684,706 @@
 </p:sld>
 </file>
 
+<file path=ppt/slides/slide3.xml><?xml version="1.0" encoding="utf-8"?>
+<p:sld xmlns:a="http://schemas.openxmlformats.org/drawingml/2006/main" xmlns:r="http://schemas.openxmlformats.org/officeDocument/2006/relationships" xmlns:p="http://schemas.openxmlformats.org/presentationml/2006/main">
+  <p:cSld>
+    <p:spTree>
+      <p:nvGrpSpPr>
+        <p:cNvPr id="1" name=""/>
+        <p:cNvGrpSpPr/>
+        <p:nvPr/>
+      </p:nvGrpSpPr>
+      <p:grpSpPr>
+        <a:xfrm>
+          <a:off x="0" y="0"/>
+          <a:ext cx="0" cy="0"/>
+          <a:chOff x="0" y="0"/>
+          <a:chExt cx="0" cy="0"/>
+        </a:xfrm>
+      </p:grpSpPr>
+      <p:pic>
+        <p:nvPicPr>
+          <p:cNvPr id="3" name="Picture 2" descr="Diagram, engineering drawing&#10;&#10;Description automatically generated">
+            <a:extLst>
+              <a:ext uri="{FF2B5EF4-FFF2-40B4-BE49-F238E27FC236}">
+                <a16:creationId xmlns:a16="http://schemas.microsoft.com/office/drawing/2014/main" id="{31D630BB-1C2E-4C15-AB16-9075266687EE}"/>
+              </a:ext>
+            </a:extLst>
+          </p:cNvPr>
+          <p:cNvPicPr>
+            <a:picLocks noChangeAspect="1"/>
+          </p:cNvPicPr>
+          <p:nvPr/>
+        </p:nvPicPr>
+        <p:blipFill>
+          <a:blip r:embed="rId2">
+            <a:extLst>
+              <a:ext uri="{28A0092B-C50C-407E-A947-70E740481C1C}">
+                <a14:useLocalDpi xmlns:a14="http://schemas.microsoft.com/office/drawing/2010/main" val="0"/>
+              </a:ext>
+            </a:extLst>
+          </a:blip>
+          <a:stretch>
+            <a:fillRect/>
+          </a:stretch>
+        </p:blipFill>
+        <p:spPr>
+          <a:xfrm>
+            <a:off x="1034473" y="11172"/>
+            <a:ext cx="10104582" cy="6846828"/>
+          </a:xfrm>
+          <a:prstGeom prst="rect">
+            <a:avLst/>
+          </a:prstGeom>
+        </p:spPr>
+      </p:pic>
+      <p:sp>
+        <p:nvSpPr>
+          <p:cNvPr id="4" name="TextBox 3">
+            <a:extLst>
+              <a:ext uri="{FF2B5EF4-FFF2-40B4-BE49-F238E27FC236}">
+                <a16:creationId xmlns:a16="http://schemas.microsoft.com/office/drawing/2014/main" id="{0882FFE6-943C-4036-A7F3-EB7F8B889EE5}"/>
+              </a:ext>
+            </a:extLst>
+          </p:cNvPr>
+          <p:cNvSpPr txBox="1"/>
+          <p:nvPr/>
+        </p:nvSpPr>
+        <p:spPr>
+          <a:xfrm>
+            <a:off x="2920522" y="214372"/>
+            <a:ext cx="2092239" cy="461665"/>
+          </a:xfrm>
+          <a:prstGeom prst="rect">
+            <a:avLst/>
+          </a:prstGeom>
+          <a:noFill/>
+        </p:spPr>
+        <p:txBody>
+          <a:bodyPr wrap="none" rtlCol="0">
+            <a:spAutoFit/>
+          </a:bodyPr>
+          <a:lstStyle/>
+          <a:p>
+            <a:pPr algn="ctr"/>
+            <a:r>
+              <a:rPr lang="en-US" sz="1200" dirty="0" err="1"/>
+              <a:t>Tlamatqinad</a:t>
+            </a:r>
+            <a:endParaRPr lang="en-US" sz="1200" dirty="0"/>
+          </a:p>
+          <a:p>
+            <a:pPr algn="ctr"/>
+            <a:r>
+              <a:rPr lang="en-US" sz="1200" dirty="0">
+                <a:latin typeface="ZhoGlyph" panose="00000400000000000000" pitchFamily="2" charset="0"/>
+              </a:rPr>
+              <a:t>ṪAMATQINAD</a:t>
+            </a:r>
+            <a:endParaRPr lang="en-US" sz="1200" dirty="0"/>
+          </a:p>
+        </p:txBody>
+      </p:sp>
+      <p:sp>
+        <p:nvSpPr>
+          <p:cNvPr id="5" name="TextBox 4">
+            <a:extLst>
+              <a:ext uri="{FF2B5EF4-FFF2-40B4-BE49-F238E27FC236}">
+                <a16:creationId xmlns:a16="http://schemas.microsoft.com/office/drawing/2014/main" id="{A5C56E72-29B2-4081-A6B8-79723357F48F}"/>
+              </a:ext>
+            </a:extLst>
+          </p:cNvPr>
+          <p:cNvSpPr txBox="1"/>
+          <p:nvPr/>
+        </p:nvSpPr>
+        <p:spPr>
+          <a:xfrm>
+            <a:off x="3020327" y="5252809"/>
+            <a:ext cx="1329210" cy="461665"/>
+          </a:xfrm>
+          <a:prstGeom prst="rect">
+            <a:avLst/>
+          </a:prstGeom>
+          <a:solidFill>
+            <a:srgbClr val="F2F2F2">
+              <a:alpha val="67059"/>
+            </a:srgbClr>
+          </a:solidFill>
+        </p:spPr>
+        <p:txBody>
+          <a:bodyPr wrap="none" rtlCol="0">
+            <a:spAutoFit/>
+          </a:bodyPr>
+          <a:lstStyle/>
+          <a:p>
+            <a:pPr algn="ctr"/>
+            <a:r>
+              <a:rPr lang="en-US" sz="1200" dirty="0" err="1"/>
+              <a:t>Kokochia</a:t>
+            </a:r>
+            <a:endParaRPr lang="en-US" sz="1200" dirty="0"/>
+          </a:p>
+          <a:p>
+            <a:pPr algn="ctr"/>
+            <a:r>
+              <a:rPr lang="en-US" sz="1200" dirty="0">
+                <a:latin typeface="ZhoGlyph" panose="00000400000000000000" pitchFamily="2" charset="0"/>
+              </a:rPr>
+              <a:t>KOKOĈĨ</a:t>
+            </a:r>
+            <a:endParaRPr lang="en-US" sz="1200" dirty="0"/>
+          </a:p>
+        </p:txBody>
+      </p:sp>
+      <p:sp>
+        <p:nvSpPr>
+          <p:cNvPr id="6" name="TextBox 5">
+            <a:extLst>
+              <a:ext uri="{FF2B5EF4-FFF2-40B4-BE49-F238E27FC236}">
+                <a16:creationId xmlns:a16="http://schemas.microsoft.com/office/drawing/2014/main" id="{C4A7A7BB-9E3E-4ACF-AED4-8AE98715F727}"/>
+              </a:ext>
+            </a:extLst>
+          </p:cNvPr>
+          <p:cNvSpPr txBox="1"/>
+          <p:nvPr/>
+        </p:nvSpPr>
+        <p:spPr>
+          <a:xfrm>
+            <a:off x="7620001" y="2475345"/>
+            <a:ext cx="1329210" cy="461665"/>
+          </a:xfrm>
+          <a:prstGeom prst="rect">
+            <a:avLst/>
+          </a:prstGeom>
+          <a:noFill/>
+        </p:spPr>
+        <p:txBody>
+          <a:bodyPr wrap="none" rtlCol="0">
+            <a:spAutoFit/>
+          </a:bodyPr>
+          <a:lstStyle/>
+          <a:p>
+            <a:pPr algn="ctr"/>
+            <a:r>
+              <a:rPr lang="en-US" sz="1200" dirty="0"/>
+              <a:t>Intendant</a:t>
+            </a:r>
+          </a:p>
+          <a:p>
+            <a:pPr algn="ctr"/>
+            <a:r>
+              <a:rPr lang="en-US" sz="1200" dirty="0">
+                <a:latin typeface="ZhoGlyph" panose="00000400000000000000" pitchFamily="2" charset="0"/>
+              </a:rPr>
+              <a:t>ḊENĈĪṔ</a:t>
+            </a:r>
+          </a:p>
+        </p:txBody>
+      </p:sp>
+      <p:sp>
+        <p:nvSpPr>
+          <p:cNvPr id="7" name="TextBox 6">
+            <a:extLst>
+              <a:ext uri="{FF2B5EF4-FFF2-40B4-BE49-F238E27FC236}">
+                <a16:creationId xmlns:a16="http://schemas.microsoft.com/office/drawing/2014/main" id="{3645EB0B-0A73-42FD-A61C-F194B9F9E118}"/>
+              </a:ext>
+            </a:extLst>
+          </p:cNvPr>
+          <p:cNvSpPr txBox="1"/>
+          <p:nvPr/>
+        </p:nvSpPr>
+        <p:spPr>
+          <a:xfrm>
+            <a:off x="7961746" y="1154546"/>
+            <a:ext cx="1329210" cy="461665"/>
+          </a:xfrm>
+          <a:prstGeom prst="rect">
+            <a:avLst/>
+          </a:prstGeom>
+          <a:noFill/>
+        </p:spPr>
+        <p:txBody>
+          <a:bodyPr wrap="none" rtlCol="0">
+            <a:spAutoFit/>
+          </a:bodyPr>
+          <a:lstStyle/>
+          <a:p>
+            <a:pPr algn="ctr"/>
+            <a:r>
+              <a:rPr lang="en-US" sz="1200" dirty="0" err="1"/>
+              <a:t>Kochyan</a:t>
+            </a:r>
+            <a:endParaRPr lang="en-US" sz="1200" dirty="0"/>
+          </a:p>
+          <a:p>
+            <a:pPr algn="ctr"/>
+            <a:r>
+              <a:rPr lang="en-US" sz="1200" dirty="0">
+                <a:latin typeface="ZhoGlyph" panose="00000400000000000000" pitchFamily="2" charset="0"/>
+              </a:rPr>
+              <a:t>KOĈYAN</a:t>
+            </a:r>
+            <a:endParaRPr lang="en-US" sz="1200" dirty="0"/>
+          </a:p>
+        </p:txBody>
+      </p:sp>
+      <p:sp>
+        <p:nvSpPr>
+          <p:cNvPr id="8" name="TextBox 7">
+            <a:extLst>
+              <a:ext uri="{FF2B5EF4-FFF2-40B4-BE49-F238E27FC236}">
+                <a16:creationId xmlns:a16="http://schemas.microsoft.com/office/drawing/2014/main" id="{4B06E5E2-0A98-4192-980F-FB80422E65EB}"/>
+              </a:ext>
+            </a:extLst>
+          </p:cNvPr>
+          <p:cNvSpPr txBox="1"/>
+          <p:nvPr/>
+        </p:nvSpPr>
+        <p:spPr>
+          <a:xfrm>
+            <a:off x="6022110" y="94223"/>
+            <a:ext cx="1710725" cy="461665"/>
+          </a:xfrm>
+          <a:prstGeom prst="rect">
+            <a:avLst/>
+          </a:prstGeom>
+          <a:solidFill>
+            <a:srgbClr val="FFFFFF">
+              <a:alpha val="65098"/>
+            </a:srgbClr>
+          </a:solidFill>
+        </p:spPr>
+        <p:txBody>
+          <a:bodyPr wrap="none" rtlCol="0">
+            <a:spAutoFit/>
+          </a:bodyPr>
+          <a:lstStyle/>
+          <a:p>
+            <a:pPr algn="ctr"/>
+            <a:r>
+              <a:rPr lang="en-US" sz="1200" dirty="0" err="1"/>
+              <a:t>Vepliezdiaq</a:t>
+            </a:r>
+            <a:endParaRPr lang="en-US" sz="1200" dirty="0"/>
+          </a:p>
+          <a:p>
+            <a:pPr algn="ctr"/>
+            <a:r>
+              <a:rPr lang="en-US" sz="1200" dirty="0">
+                <a:latin typeface="ZhoGlyph" panose="00000400000000000000" pitchFamily="2" charset="0"/>
+              </a:rPr>
+              <a:t>VEṖĪZDĨQ</a:t>
+            </a:r>
+          </a:p>
+        </p:txBody>
+      </p:sp>
+      <p:sp>
+        <p:nvSpPr>
+          <p:cNvPr id="9" name="TextBox 8">
+            <a:extLst>
+              <a:ext uri="{FF2B5EF4-FFF2-40B4-BE49-F238E27FC236}">
+                <a16:creationId xmlns:a16="http://schemas.microsoft.com/office/drawing/2014/main" id="{80C4EC8B-0BF5-40D1-A57F-F5F93E1E8DC8}"/>
+              </a:ext>
+            </a:extLst>
+          </p:cNvPr>
+          <p:cNvSpPr txBox="1"/>
+          <p:nvPr/>
+        </p:nvSpPr>
+        <p:spPr>
+          <a:xfrm>
+            <a:off x="6180147" y="6302112"/>
+            <a:ext cx="1901483" cy="461665"/>
+          </a:xfrm>
+          <a:prstGeom prst="rect">
+            <a:avLst/>
+          </a:prstGeom>
+          <a:noFill/>
+        </p:spPr>
+        <p:txBody>
+          <a:bodyPr wrap="none" rtlCol="0">
+            <a:spAutoFit/>
+          </a:bodyPr>
+          <a:lstStyle/>
+          <a:p>
+            <a:pPr algn="ctr"/>
+            <a:r>
+              <a:rPr lang="en-US" sz="1200" dirty="0" err="1"/>
+              <a:t>Chakilijem</a:t>
+            </a:r>
+            <a:endParaRPr lang="en-US" sz="1200" dirty="0"/>
+          </a:p>
+          <a:p>
+            <a:pPr algn="ctr"/>
+            <a:r>
+              <a:rPr lang="en-US" sz="1200" dirty="0">
+                <a:latin typeface="ZhoGlyph" panose="00000400000000000000" pitchFamily="2" charset="0"/>
+              </a:rPr>
+              <a:t>ĈAKILIJEM</a:t>
+            </a:r>
+            <a:endParaRPr lang="en-US" sz="1200" dirty="0"/>
+          </a:p>
+        </p:txBody>
+      </p:sp>
+      <p:sp>
+        <p:nvSpPr>
+          <p:cNvPr id="10" name="TextBox 9">
+            <a:extLst>
+              <a:ext uri="{FF2B5EF4-FFF2-40B4-BE49-F238E27FC236}">
+                <a16:creationId xmlns:a16="http://schemas.microsoft.com/office/drawing/2014/main" id="{5A081EF3-1455-4284-A5FC-FC2704C79531}"/>
+              </a:ext>
+            </a:extLst>
+          </p:cNvPr>
+          <p:cNvSpPr txBox="1"/>
+          <p:nvPr/>
+        </p:nvSpPr>
+        <p:spPr>
+          <a:xfrm>
+            <a:off x="3966641" y="3074521"/>
+            <a:ext cx="1519968" cy="461665"/>
+          </a:xfrm>
+          <a:prstGeom prst="rect">
+            <a:avLst/>
+          </a:prstGeom>
+          <a:solidFill>
+            <a:srgbClr val="FFFFFF">
+              <a:alpha val="67059"/>
+            </a:srgbClr>
+          </a:solidFill>
+        </p:spPr>
+        <p:txBody>
+          <a:bodyPr wrap="none" rtlCol="0">
+            <a:spAutoFit/>
+          </a:bodyPr>
+          <a:lstStyle/>
+          <a:p>
+            <a:pPr algn="ctr"/>
+            <a:r>
+              <a:rPr lang="en-US" sz="1200" dirty="0" err="1">
+                <a:ln w="0"/>
+                <a:effectLst>
+                  <a:outerShdw blurRad="38100" dist="19050" dir="2700000" algn="tl" rotWithShape="0">
+                    <a:schemeClr val="dk1">
+                      <a:alpha val="40000"/>
+                    </a:schemeClr>
+                  </a:outerShdw>
+                </a:effectLst>
+              </a:rPr>
+              <a:t>Nakazna</a:t>
+            </a:r>
+            <a:endParaRPr lang="en-US" sz="1200" dirty="0">
+              <a:ln w="0"/>
+              <a:effectLst>
+                <a:outerShdw blurRad="38100" dist="19050" dir="2700000" algn="tl" rotWithShape="0">
+                  <a:schemeClr val="dk1">
+                    <a:alpha val="40000"/>
+                  </a:schemeClr>
+                </a:outerShdw>
+              </a:effectLst>
+            </a:endParaRPr>
+          </a:p>
+          <a:p>
+            <a:pPr algn="ctr"/>
+            <a:r>
+              <a:rPr lang="en-US" sz="1200" dirty="0">
+                <a:ln w="0"/>
+                <a:effectLst>
+                  <a:outerShdw blurRad="38100" dist="19050" dir="2700000" algn="tl" rotWithShape="0">
+                    <a:schemeClr val="dk1">
+                      <a:alpha val="40000"/>
+                    </a:schemeClr>
+                  </a:outerShdw>
+                </a:effectLst>
+                <a:latin typeface="ZhoGlyph" panose="00000400000000000000" pitchFamily="2" charset="0"/>
+              </a:rPr>
+              <a:t>NAKAZNA</a:t>
+            </a:r>
+          </a:p>
+        </p:txBody>
+      </p:sp>
+      <p:sp>
+        <p:nvSpPr>
+          <p:cNvPr id="11" name="TextBox 10">
+            <a:extLst>
+              <a:ext uri="{FF2B5EF4-FFF2-40B4-BE49-F238E27FC236}">
+                <a16:creationId xmlns:a16="http://schemas.microsoft.com/office/drawing/2014/main" id="{985F498B-6809-42B4-B2EB-D1A900519820}"/>
+              </a:ext>
+            </a:extLst>
+          </p:cNvPr>
+          <p:cNvSpPr txBox="1"/>
+          <p:nvPr/>
+        </p:nvSpPr>
+        <p:spPr>
+          <a:xfrm>
+            <a:off x="3780310" y="3653057"/>
+            <a:ext cx="1138453" cy="461665"/>
+          </a:xfrm>
+          <a:prstGeom prst="rect">
+            <a:avLst/>
+          </a:prstGeom>
+          <a:solidFill>
+            <a:srgbClr val="FFFFFF">
+              <a:alpha val="67059"/>
+            </a:srgbClr>
+          </a:solidFill>
+        </p:spPr>
+        <p:txBody>
+          <a:bodyPr wrap="none" rtlCol="0">
+            <a:spAutoFit/>
+          </a:bodyPr>
+          <a:lstStyle/>
+          <a:p>
+            <a:pPr algn="ctr"/>
+            <a:r>
+              <a:rPr lang="en-US" sz="1200" dirty="0" err="1"/>
+              <a:t>ololi</a:t>
+            </a:r>
+            <a:endParaRPr lang="en-US" sz="1200" dirty="0"/>
+          </a:p>
+          <a:p>
+            <a:pPr algn="ctr"/>
+            <a:r>
+              <a:rPr lang="en-US" sz="1200" dirty="0">
+                <a:latin typeface="ZhoGlyph" panose="00000400000000000000" pitchFamily="2" charset="0"/>
+              </a:rPr>
+              <a:t>OLOLI</a:t>
+            </a:r>
+          </a:p>
+        </p:txBody>
+      </p:sp>
+      <p:cxnSp>
+        <p:nvCxnSpPr>
+          <p:cNvPr id="13" name="Straight Arrow Connector 12">
+            <a:extLst>
+              <a:ext uri="{FF2B5EF4-FFF2-40B4-BE49-F238E27FC236}">
+                <a16:creationId xmlns:a16="http://schemas.microsoft.com/office/drawing/2014/main" id="{ED6C82D6-9FEF-4019-84BF-8AC31173397C}"/>
+              </a:ext>
+            </a:extLst>
+          </p:cNvPr>
+          <p:cNvCxnSpPr/>
+          <p:nvPr/>
+        </p:nvCxnSpPr>
+        <p:spPr>
+          <a:xfrm>
+            <a:off x="5384800" y="3429000"/>
+            <a:ext cx="101809" cy="448115"/>
+          </a:xfrm>
+          <a:prstGeom prst="straightConnector1">
+            <a:avLst/>
+          </a:prstGeom>
+          <a:ln>
+            <a:tailEnd type="triangle"/>
+          </a:ln>
+        </p:spPr>
+        <p:style>
+          <a:lnRef idx="3">
+            <a:schemeClr val="dk1"/>
+          </a:lnRef>
+          <a:fillRef idx="0">
+            <a:schemeClr val="dk1"/>
+          </a:fillRef>
+          <a:effectRef idx="2">
+            <a:schemeClr val="dk1"/>
+          </a:effectRef>
+          <a:fontRef idx="minor">
+            <a:schemeClr val="tx1"/>
+          </a:fontRef>
+        </p:style>
+      </p:cxnSp>
+      <p:cxnSp>
+        <p:nvCxnSpPr>
+          <p:cNvPr id="15" name="Straight Arrow Connector 14">
+            <a:extLst>
+              <a:ext uri="{FF2B5EF4-FFF2-40B4-BE49-F238E27FC236}">
+                <a16:creationId xmlns:a16="http://schemas.microsoft.com/office/drawing/2014/main" id="{88505630-8DAF-4EC1-A8CE-A8448B799F10}"/>
+              </a:ext>
+            </a:extLst>
+          </p:cNvPr>
+          <p:cNvCxnSpPr/>
+          <p:nvPr/>
+        </p:nvCxnSpPr>
+        <p:spPr>
+          <a:xfrm>
+            <a:off x="4802909" y="4045527"/>
+            <a:ext cx="581891" cy="378691"/>
+          </a:xfrm>
+          <a:prstGeom prst="straightConnector1">
+            <a:avLst/>
+          </a:prstGeom>
+          <a:ln>
+            <a:tailEnd type="triangle"/>
+          </a:ln>
+        </p:spPr>
+        <p:style>
+          <a:lnRef idx="3">
+            <a:schemeClr val="dk1"/>
+          </a:lnRef>
+          <a:fillRef idx="0">
+            <a:schemeClr val="dk1"/>
+          </a:fillRef>
+          <a:effectRef idx="2">
+            <a:schemeClr val="dk1"/>
+          </a:effectRef>
+          <a:fontRef idx="minor">
+            <a:schemeClr val="tx1"/>
+          </a:fontRef>
+        </p:style>
+      </p:cxnSp>
+      <p:sp>
+        <p:nvSpPr>
+          <p:cNvPr id="16" name="TextBox 15">
+            <a:extLst>
+              <a:ext uri="{FF2B5EF4-FFF2-40B4-BE49-F238E27FC236}">
+                <a16:creationId xmlns:a16="http://schemas.microsoft.com/office/drawing/2014/main" id="{59BBC690-987D-4664-A0E6-01787AAD83BB}"/>
+              </a:ext>
+            </a:extLst>
+          </p:cNvPr>
+          <p:cNvSpPr txBox="1"/>
+          <p:nvPr/>
+        </p:nvSpPr>
+        <p:spPr>
+          <a:xfrm>
+            <a:off x="1932040" y="4452933"/>
+            <a:ext cx="1519968" cy="461665"/>
+          </a:xfrm>
+          <a:prstGeom prst="rect">
+            <a:avLst/>
+          </a:prstGeom>
+          <a:solidFill>
+            <a:srgbClr val="F2F2F2">
+              <a:alpha val="67059"/>
+            </a:srgbClr>
+          </a:solidFill>
+        </p:spPr>
+        <p:txBody>
+          <a:bodyPr wrap="none" rtlCol="0">
+            <a:spAutoFit/>
+          </a:bodyPr>
+          <a:lstStyle/>
+          <a:p>
+            <a:pPr algn="ctr"/>
+            <a:r>
+              <a:rPr lang="en-US" sz="1200" dirty="0" err="1"/>
+              <a:t>iadlayotl</a:t>
+            </a:r>
+            <a:endParaRPr lang="en-US" sz="1200" dirty="0"/>
+          </a:p>
+          <a:p>
+            <a:pPr algn="ctr"/>
+            <a:r>
+              <a:rPr lang="en-US" sz="1200" dirty="0">
+                <a:latin typeface="ZhoGlyph" panose="00000400000000000000" pitchFamily="2" charset="0"/>
+              </a:rPr>
+              <a:t>ĨDLAYOṪ</a:t>
+            </a:r>
+            <a:endParaRPr lang="en-US" sz="1200" dirty="0"/>
+          </a:p>
+        </p:txBody>
+      </p:sp>
+      <p:cxnSp>
+        <p:nvCxnSpPr>
+          <p:cNvPr id="20" name="Straight Arrow Connector 19">
+            <a:extLst>
+              <a:ext uri="{FF2B5EF4-FFF2-40B4-BE49-F238E27FC236}">
+                <a16:creationId xmlns:a16="http://schemas.microsoft.com/office/drawing/2014/main" id="{1139409C-C3C9-4D73-B0C0-6EBEDDC43344}"/>
+              </a:ext>
+            </a:extLst>
+          </p:cNvPr>
+          <p:cNvCxnSpPr>
+            <a:cxnSpLocks/>
+          </p:cNvCxnSpPr>
+          <p:nvPr/>
+        </p:nvCxnSpPr>
+        <p:spPr>
+          <a:xfrm>
+            <a:off x="3306618" y="4683765"/>
+            <a:ext cx="914400" cy="0"/>
+          </a:xfrm>
+          <a:prstGeom prst="straightConnector1">
+            <a:avLst/>
+          </a:prstGeom>
+          <a:ln>
+            <a:tailEnd type="triangle"/>
+          </a:ln>
+        </p:spPr>
+        <p:style>
+          <a:lnRef idx="3">
+            <a:schemeClr val="dk1"/>
+          </a:lnRef>
+          <a:fillRef idx="0">
+            <a:schemeClr val="dk1"/>
+          </a:fillRef>
+          <a:effectRef idx="2">
+            <a:schemeClr val="dk1"/>
+          </a:effectRef>
+          <a:fontRef idx="minor">
+            <a:schemeClr val="tx1"/>
+          </a:fontRef>
+        </p:style>
+      </p:cxnSp>
+      <p:sp>
+        <p:nvSpPr>
+          <p:cNvPr id="22" name="TextBox 21">
+            <a:extLst>
+              <a:ext uri="{FF2B5EF4-FFF2-40B4-BE49-F238E27FC236}">
+                <a16:creationId xmlns:a16="http://schemas.microsoft.com/office/drawing/2014/main" id="{4F093CCD-A4B1-4604-9CDE-5C9A04397406}"/>
+              </a:ext>
+            </a:extLst>
+          </p:cNvPr>
+          <p:cNvSpPr txBox="1"/>
+          <p:nvPr/>
+        </p:nvSpPr>
+        <p:spPr>
+          <a:xfrm>
+            <a:off x="8677947" y="2967335"/>
+            <a:ext cx="2282997" cy="461665"/>
+          </a:xfrm>
+          <a:prstGeom prst="rect">
+            <a:avLst/>
+          </a:prstGeom>
+          <a:solidFill>
+            <a:srgbClr val="F2F2F2">
+              <a:alpha val="67059"/>
+            </a:srgbClr>
+          </a:solidFill>
+        </p:spPr>
+        <p:txBody>
+          <a:bodyPr wrap="none" rtlCol="0">
+            <a:spAutoFit/>
+          </a:bodyPr>
+          <a:lstStyle/>
+          <a:p>
+            <a:pPr algn="ctr"/>
+            <a:r>
+              <a:rPr lang="en-US" sz="1200" dirty="0" err="1"/>
+              <a:t>Kolitzlinad</a:t>
+            </a:r>
+            <a:endParaRPr lang="en-US" sz="1200" dirty="0"/>
+          </a:p>
+          <a:p>
+            <a:pPr algn="ctr"/>
+            <a:r>
+              <a:rPr lang="en-US" sz="1200" dirty="0">
+                <a:latin typeface="ZhoGlyph" panose="00000400000000000000" pitchFamily="2" charset="0"/>
+              </a:rPr>
+              <a:t>KOLITZLINAD</a:t>
+            </a:r>
+            <a:endParaRPr lang="en-US" sz="1200" dirty="0"/>
+          </a:p>
+        </p:txBody>
+      </p:sp>
+    </p:spTree>
+    <p:extLst>
+      <p:ext uri="{BB962C8B-B14F-4D97-AF65-F5344CB8AC3E}">
+        <p14:creationId xmlns:p14="http://schemas.microsoft.com/office/powerpoint/2010/main" val="2392953571"/>
+      </p:ext>
+    </p:extLst>
+  </p:cSld>
+  <p:clrMapOvr>
+    <a:masterClrMapping/>
+  </p:clrMapOvr>
+</p:sld>
+</file>
+
 <file path=ppt/theme/theme1.xml><?xml version="1.0" encoding="utf-8"?>
 <a:theme xmlns:a="http://schemas.openxmlformats.org/drawingml/2006/main" name="Office Theme">
   <a:themeElements>
